--- a/04-Arrays.pptx
+++ b/04-Arrays.pptx
@@ -241,7 +241,7 @@
           <a:p>
             <a:fld id="{1A052DDE-B79B-4585-97B6-DCDE6083B029}" type="datetimeFigureOut">
               <a:rPr lang="bg-BG" smtClean="0"/>
-              <a:t>28.11.2015 г.</a:t>
+              <a:t>29.11.2015 г.</a:t>
             </a:fld>
             <a:endParaRPr lang="bg-BG"/>
           </a:p>
@@ -1194,7 +1194,7 @@
           <a:p>
             <a:fld id="{3EA744D9-3FBE-48D8-BF2A-85DF203E4D20}" type="datetimeFigureOut">
               <a:rPr lang="bg-BG" smtClean="0"/>
-              <a:t>28.11.2015 г.</a:t>
+              <a:t>29.11.2015 г.</a:t>
             </a:fld>
             <a:endParaRPr lang="bg-BG"/>
           </a:p>
@@ -1364,7 +1364,7 @@
           <a:p>
             <a:fld id="{3EA744D9-3FBE-48D8-BF2A-85DF203E4D20}" type="datetimeFigureOut">
               <a:rPr lang="bg-BG" smtClean="0"/>
-              <a:t>28.11.2015 г.</a:t>
+              <a:t>29.11.2015 г.</a:t>
             </a:fld>
             <a:endParaRPr lang="bg-BG"/>
           </a:p>
@@ -1544,7 +1544,7 @@
           <a:p>
             <a:fld id="{3EA744D9-3FBE-48D8-BF2A-85DF203E4D20}" type="datetimeFigureOut">
               <a:rPr lang="bg-BG" smtClean="0"/>
-              <a:t>28.11.2015 г.</a:t>
+              <a:t>29.11.2015 г.</a:t>
             </a:fld>
             <a:endParaRPr lang="bg-BG"/>
           </a:p>
@@ -1714,7 +1714,7 @@
           <a:p>
             <a:fld id="{3EA744D9-3FBE-48D8-BF2A-85DF203E4D20}" type="datetimeFigureOut">
               <a:rPr lang="bg-BG" smtClean="0"/>
-              <a:t>28.11.2015 г.</a:t>
+              <a:t>29.11.2015 г.</a:t>
             </a:fld>
             <a:endParaRPr lang="bg-BG"/>
           </a:p>
@@ -1960,7 +1960,7 @@
           <a:p>
             <a:fld id="{3EA744D9-3FBE-48D8-BF2A-85DF203E4D20}" type="datetimeFigureOut">
               <a:rPr lang="bg-BG" smtClean="0"/>
-              <a:t>28.11.2015 г.</a:t>
+              <a:t>29.11.2015 г.</a:t>
             </a:fld>
             <a:endParaRPr lang="bg-BG"/>
           </a:p>
@@ -2248,7 +2248,7 @@
           <a:p>
             <a:fld id="{3EA744D9-3FBE-48D8-BF2A-85DF203E4D20}" type="datetimeFigureOut">
               <a:rPr lang="bg-BG" smtClean="0"/>
-              <a:t>28.11.2015 г.</a:t>
+              <a:t>29.11.2015 г.</a:t>
             </a:fld>
             <a:endParaRPr lang="bg-BG"/>
           </a:p>
@@ -2670,7 +2670,7 @@
           <a:p>
             <a:fld id="{3EA744D9-3FBE-48D8-BF2A-85DF203E4D20}" type="datetimeFigureOut">
               <a:rPr lang="bg-BG" smtClean="0"/>
-              <a:t>28.11.2015 г.</a:t>
+              <a:t>29.11.2015 г.</a:t>
             </a:fld>
             <a:endParaRPr lang="bg-BG"/>
           </a:p>
@@ -2788,7 +2788,7 @@
           <a:p>
             <a:fld id="{3EA744D9-3FBE-48D8-BF2A-85DF203E4D20}" type="datetimeFigureOut">
               <a:rPr lang="bg-BG" smtClean="0"/>
-              <a:t>28.11.2015 г.</a:t>
+              <a:t>29.11.2015 г.</a:t>
             </a:fld>
             <a:endParaRPr lang="bg-BG"/>
           </a:p>
@@ -2883,7 +2883,7 @@
           <a:p>
             <a:fld id="{3EA744D9-3FBE-48D8-BF2A-85DF203E4D20}" type="datetimeFigureOut">
               <a:rPr lang="bg-BG" smtClean="0"/>
-              <a:t>28.11.2015 г.</a:t>
+              <a:t>29.11.2015 г.</a:t>
             </a:fld>
             <a:endParaRPr lang="bg-BG"/>
           </a:p>
@@ -3160,7 +3160,7 @@
           <a:p>
             <a:fld id="{3EA744D9-3FBE-48D8-BF2A-85DF203E4D20}" type="datetimeFigureOut">
               <a:rPr lang="bg-BG" smtClean="0"/>
-              <a:t>28.11.2015 г.</a:t>
+              <a:t>29.11.2015 г.</a:t>
             </a:fld>
             <a:endParaRPr lang="bg-BG"/>
           </a:p>
@@ -3413,7 +3413,7 @@
           <a:p>
             <a:fld id="{3EA744D9-3FBE-48D8-BF2A-85DF203E4D20}" type="datetimeFigureOut">
               <a:rPr lang="bg-BG" smtClean="0"/>
-              <a:t>28.11.2015 г.</a:t>
+              <a:t>29.11.2015 г.</a:t>
             </a:fld>
             <a:endParaRPr lang="bg-BG"/>
           </a:p>
@@ -3635,7 +3635,7 @@
           <a:p>
             <a:fld id="{3EA744D9-3FBE-48D8-BF2A-85DF203E4D20}" type="datetimeFigureOut">
               <a:rPr lang="bg-BG" smtClean="0"/>
-              <a:t>28.11.2015 г.</a:t>
+              <a:t>29.11.2015 г.</a:t>
             </a:fld>
             <a:endParaRPr lang="bg-BG"/>
           </a:p>
@@ -10278,11 +10278,20 @@
           </a:bodyPr>
           <a:lstStyle/>
           <a:p>
-            <a:pPr marL="457200" indent="-457200">
-              <a:buFont typeface="+mj-lt"/>
-              <a:buAutoNum type="arabicParenR"/>
+            <a:pPr marL="0" indent="0">
+              <a:buNone/>
             </a:pPr>
             <a:r>
+              <a:rPr lang="en-US" sz="2400" dirty="0" smtClean="0">
+                <a:solidFill>
+                  <a:schemeClr val="bg1">
+                    <a:lumMod val="95000"/>
+                  </a:schemeClr>
+                </a:solidFill>
+              </a:rPr>
+              <a:t>4.1) </a:t>
+            </a:r>
+            <a:r>
               <a:rPr lang="bg-BG" sz="2400" dirty="0" smtClean="0">
                 <a:solidFill>
                   <a:schemeClr val="bg1">
@@ -10290,15 +10299,34 @@
                   </a:schemeClr>
                 </a:solidFill>
               </a:rPr>
-              <a:t>Напишете програма, която намира сбора на всичките четни елементи в масив.</a:t>
-            </a:r>
-          </a:p>
-          <a:p>
-            <a:pPr marL="457200" indent="-457200">
-              <a:buFont typeface="+mj-lt"/>
-              <a:buAutoNum type="arabicParenR"/>
+              <a:t>Напишете </a:t>
+            </a:r>
+            <a:r>
+              <a:rPr lang="bg-BG" sz="2400" dirty="0" smtClean="0">
+                <a:solidFill>
+                  <a:schemeClr val="bg1">
+                    <a:lumMod val="95000"/>
+                  </a:schemeClr>
+                </a:solidFill>
+              </a:rPr>
+              <a:t>програма, която намира сбора на всичките четни елементи в масив.</a:t>
+            </a:r>
+          </a:p>
+          <a:p>
+            <a:pPr marL="0" indent="0">
+              <a:buNone/>
             </a:pPr>
             <a:r>
+              <a:rPr lang="en-US" sz="2400" dirty="0" smtClean="0">
+                <a:solidFill>
+                  <a:schemeClr val="bg1">
+                    <a:lumMod val="95000"/>
+                  </a:schemeClr>
+                </a:solidFill>
+              </a:rPr>
+              <a:t>4.2) </a:t>
+            </a:r>
+            <a:r>
               <a:rPr lang="bg-BG" sz="2400" dirty="0" smtClean="0">
                 <a:solidFill>
                   <a:schemeClr val="bg1">
@@ -10306,7 +10334,17 @@
                   </a:schemeClr>
                 </a:solidFill>
               </a:rPr>
-              <a:t>Напишете програма, която попълва числата на </a:t>
+              <a:t>Напишете </a:t>
+            </a:r>
+            <a:r>
+              <a:rPr lang="bg-BG" sz="2400" dirty="0" smtClean="0">
+                <a:solidFill>
+                  <a:schemeClr val="bg1">
+                    <a:lumMod val="95000"/>
+                  </a:schemeClr>
+                </a:solidFill>
+              </a:rPr>
+              <a:t>програма, която попълва числата на </a:t>
             </a:r>
             <a:r>
               <a:rPr lang="bg-BG" sz="2400" dirty="0" err="1" smtClean="0">
@@ -10330,11 +10368,20 @@
             </a:r>
           </a:p>
           <a:p>
-            <a:pPr marL="457200" indent="-457200">
-              <a:buFont typeface="+mj-lt"/>
-              <a:buAutoNum type="arabicParenR"/>
+            <a:pPr marL="0" indent="0">
+              <a:buNone/>
             </a:pPr>
             <a:r>
+              <a:rPr lang="en-US" sz="2400" dirty="0" smtClean="0">
+                <a:solidFill>
+                  <a:schemeClr val="bg1">
+                    <a:lumMod val="95000"/>
+                  </a:schemeClr>
+                </a:solidFill>
+              </a:rPr>
+              <a:t>4.3) </a:t>
+            </a:r>
+            <a:r>
               <a:rPr lang="bg-BG" sz="2400" dirty="0" smtClean="0">
                 <a:solidFill>
                   <a:schemeClr val="bg1">
@@ -10342,7 +10389,17 @@
                   </a:schemeClr>
                 </a:solidFill>
               </a:rPr>
-              <a:t>Напишете програма</a:t>
+              <a:t>Напишете </a:t>
+            </a:r>
+            <a:r>
+              <a:rPr lang="bg-BG" sz="2400" dirty="0" smtClean="0">
+                <a:solidFill>
+                  <a:schemeClr val="bg1">
+                    <a:lumMod val="95000"/>
+                  </a:schemeClr>
+                </a:solidFill>
+              </a:rPr>
+              <a:t>програма</a:t>
             </a:r>
             <a:r>
               <a:rPr lang="en-US" sz="2400" dirty="0" smtClean="0">
@@ -10470,10 +10527,19 @@
           </a:bodyPr>
           <a:lstStyle/>
           <a:p>
-            <a:pPr marL="457200" indent="-457200">
-              <a:buFont typeface="+mj-lt"/>
-              <a:buAutoNum type="arabicParenR" startAt="4"/>
+            <a:pPr marL="0" indent="0">
+              <a:buNone/>
             </a:pPr>
+            <a:r>
+              <a:rPr lang="en-US" sz="2400" dirty="0" smtClean="0">
+                <a:solidFill>
+                  <a:schemeClr val="bg1">
+                    <a:lumMod val="95000"/>
+                  </a:schemeClr>
+                </a:solidFill>
+              </a:rPr>
+              <a:t>4.4) </a:t>
+            </a:r>
             <a:r>
               <a:rPr lang="bg-BG" sz="2400" dirty="0" smtClean="0">
                 <a:solidFill>
@@ -10663,11 +10729,30 @@
             </a:endParaRPr>
           </a:p>
           <a:p>
-            <a:pPr marL="457200" indent="-457200">
-              <a:buFont typeface="+mj-lt"/>
-              <a:buAutoNum type="arabicParenR" startAt="4"/>
+            <a:pPr marL="0" indent="0">
+              <a:buNone/>
             </a:pPr>
             <a:r>
+              <a:rPr lang="en-US" sz="2400" dirty="0" smtClean="0">
+                <a:solidFill>
+                  <a:schemeClr val="bg1">
+                    <a:lumMod val="95000"/>
+                  </a:schemeClr>
+                </a:solidFill>
+              </a:rPr>
+              <a:t>4.5) </a:t>
+            </a:r>
+            <a:r>
+              <a:rPr lang="bg-BG" sz="2400" dirty="0" smtClean="0">
+                <a:solidFill>
+                  <a:schemeClr val="bg1">
+                    <a:lumMod val="95000"/>
+                  </a:schemeClr>
+                </a:solidFill>
+              </a:rPr>
+              <a:t>Напишете </a:t>
+            </a:r>
+            <a:r>
               <a:rPr lang="bg-BG" sz="2400" dirty="0">
                 <a:solidFill>
                   <a:schemeClr val="bg1">
@@ -10675,7 +10760,7 @@
                   </a:schemeClr>
                 </a:solidFill>
               </a:rPr>
-              <a:t>Напишете програма, която претърсва масив чрез двоично търсене (</a:t>
+              <a:t>програма, която претърсва масив чрез двоично търсене (</a:t>
             </a:r>
             <a:r>
               <a:rPr lang="en-US" sz="2400" dirty="0">
@@ -10716,12 +10801,21 @@
             </a:endParaRPr>
           </a:p>
           <a:p>
-            <a:pPr marL="457200" indent="-457200">
-              <a:buFont typeface="+mj-lt"/>
-              <a:buAutoNum type="arabicParenR" startAt="4"/>
+            <a:pPr marL="0" indent="0">
+              <a:buNone/>
             </a:pPr>
             <a:r>
-              <a:rPr lang="ru-RU" sz="2400" dirty="0">
+              <a:rPr lang="en-US" sz="2400" dirty="0" smtClean="0">
+                <a:solidFill>
+                  <a:schemeClr val="bg1">
+                    <a:lumMod val="95000"/>
+                  </a:schemeClr>
+                </a:solidFill>
+              </a:rPr>
+              <a:t>4.6) </a:t>
+            </a:r>
+            <a:r>
+              <a:rPr lang="ru-RU" sz="2400" dirty="0" smtClean="0">
                 <a:solidFill>
                   <a:schemeClr val="bg1">
                     <a:lumMod val="95000"/>
@@ -10909,12 +11003,21 @@
           </a:bodyPr>
           <a:lstStyle/>
           <a:p>
-            <a:pPr marL="457200" indent="-457200">
-              <a:buFont typeface="+mj-lt"/>
-              <a:buAutoNum type="arabicParenR" startAt="7"/>
+            <a:pPr marL="0" indent="0">
+              <a:buNone/>
             </a:pPr>
             <a:r>
-              <a:rPr lang="ru-RU" sz="2400" dirty="0">
+              <a:rPr lang="en-US" sz="2400" dirty="0" smtClean="0">
+                <a:solidFill>
+                  <a:schemeClr val="bg1">
+                    <a:lumMod val="95000"/>
+                  </a:schemeClr>
+                </a:solidFill>
+              </a:rPr>
+              <a:t>4.7) </a:t>
+            </a:r>
+            <a:r>
+              <a:rPr lang="ru-RU" sz="2400" dirty="0" smtClean="0">
                 <a:solidFill>
                   <a:schemeClr val="bg1">
                     <a:lumMod val="95000"/>
@@ -11062,10 +11165,19 @@
             </a:endParaRPr>
           </a:p>
           <a:p>
-            <a:pPr marL="457200" indent="-457200">
-              <a:buFont typeface="+mj-lt"/>
-              <a:buAutoNum type="arabicParenR" startAt="7"/>
+            <a:pPr marL="0" indent="0">
+              <a:buNone/>
             </a:pPr>
+            <a:r>
+              <a:rPr lang="en-US" sz="2400" dirty="0" smtClean="0">
+                <a:solidFill>
+                  <a:schemeClr val="bg1">
+                    <a:lumMod val="95000"/>
+                  </a:schemeClr>
+                </a:solidFill>
+              </a:rPr>
+              <a:t>4.8) </a:t>
+            </a:r>
             <a:r>
               <a:rPr lang="bg-BG" sz="2400" dirty="0" smtClean="0">
                 <a:solidFill>
@@ -11125,11 +11237,20 @@
             </a:endParaRPr>
           </a:p>
           <a:p>
-            <a:pPr marL="457200" indent="-457200">
-              <a:buFont typeface="+mj-lt"/>
-              <a:buAutoNum type="arabicParenR" startAt="7"/>
+            <a:pPr marL="0" indent="0">
+              <a:buNone/>
             </a:pPr>
             <a:r>
+              <a:rPr lang="en-US" sz="2400" dirty="0" smtClean="0">
+                <a:solidFill>
+                  <a:schemeClr val="bg1">
+                    <a:lumMod val="95000"/>
+                  </a:schemeClr>
+                </a:solidFill>
+              </a:rPr>
+              <a:t>4.9) </a:t>
+            </a:r>
+            <a:r>
               <a:rPr lang="bg-BG" sz="2400" dirty="0" smtClean="0">
                 <a:solidFill>
                   <a:schemeClr val="bg1">
@@ -11137,7 +11258,17 @@
                   </a:schemeClr>
                 </a:solidFill>
               </a:rPr>
-              <a:t>Напишете програма, която обръща стойностите на един масив.</a:t>
+              <a:t>Напишете </a:t>
+            </a:r>
+            <a:r>
+              <a:rPr lang="bg-BG" sz="2400" dirty="0" smtClean="0">
+                <a:solidFill>
+                  <a:schemeClr val="bg1">
+                    <a:lumMod val="95000"/>
+                  </a:schemeClr>
+                </a:solidFill>
+              </a:rPr>
+              <a:t>програма, която обръща стойностите на един масив.</a:t>
             </a:r>
             <a:endParaRPr lang="en-US" sz="2400" dirty="0" smtClean="0">
               <a:solidFill>
@@ -11148,12 +11279,21 @@
             </a:endParaRPr>
           </a:p>
           <a:p>
-            <a:pPr marL="457200" indent="-457200">
-              <a:buFont typeface="+mj-lt"/>
-              <a:buAutoNum type="arabicParenR" startAt="7"/>
+            <a:pPr marL="0" indent="0">
+              <a:buNone/>
             </a:pPr>
             <a:r>
-              <a:rPr lang="bg-BG" sz="2400" dirty="0">
+              <a:rPr lang="en-US" sz="2400" dirty="0" smtClean="0">
+                <a:solidFill>
+                  <a:schemeClr val="bg1">
+                    <a:lumMod val="95000"/>
+                  </a:schemeClr>
+                </a:solidFill>
+              </a:rPr>
+              <a:t>4.10) </a:t>
+            </a:r>
+            <a:r>
+              <a:rPr lang="bg-BG" sz="2400" dirty="0" smtClean="0">
                 <a:solidFill>
                   <a:schemeClr val="bg1">
                     <a:lumMod val="95000"/>
@@ -11541,11 +11681,20 @@
           </a:bodyPr>
           <a:lstStyle/>
           <a:p>
-            <a:pPr marL="457200" indent="-457200">
-              <a:buFont typeface="+mj-lt"/>
-              <a:buAutoNum type="arabicParenR" startAt="11"/>
+            <a:pPr marL="0" indent="0">
+              <a:buNone/>
             </a:pPr>
             <a:r>
+              <a:rPr lang="en-US" sz="2000" dirty="0" smtClean="0">
+                <a:solidFill>
+                  <a:schemeClr val="bg1">
+                    <a:lumMod val="95000"/>
+                  </a:schemeClr>
+                </a:solidFill>
+              </a:rPr>
+              <a:t>4.11) </a:t>
+            </a:r>
+            <a:r>
               <a:rPr lang="bg-BG" sz="2000" dirty="0" smtClean="0">
                 <a:solidFill>
                   <a:schemeClr val="bg1">
@@ -11553,7 +11702,17 @@
                   </a:schemeClr>
                 </a:solidFill>
               </a:rPr>
-              <a:t>Напишете програма, която попълва квадратна матрица: първо вертикално, след това хоризонтално. Потребителя въвежда размерност на матрицата.</a:t>
+              <a:t>Напишете </a:t>
+            </a:r>
+            <a:r>
+              <a:rPr lang="bg-BG" sz="2000" dirty="0" smtClean="0">
+                <a:solidFill>
+                  <a:schemeClr val="bg1">
+                    <a:lumMod val="95000"/>
+                  </a:schemeClr>
+                </a:solidFill>
+              </a:rPr>
+              <a:t>програма, която попълва квадратна матрица: първо вертикално, след това хоризонтално. Потребителя въвежда размерност на матрицата.</a:t>
             </a:r>
           </a:p>
           <a:p>
@@ -11771,11 +11930,20 @@
           </a:bodyPr>
           <a:lstStyle/>
           <a:p>
-            <a:pPr marL="457200" indent="-457200">
-              <a:buFont typeface="+mj-lt"/>
-              <a:buAutoNum type="arabicParenR" startAt="12"/>
+            <a:pPr marL="0" indent="0">
+              <a:buNone/>
             </a:pPr>
             <a:r>
+              <a:rPr lang="en-US" sz="2000" smtClean="0">
+                <a:solidFill>
+                  <a:schemeClr val="bg1">
+                    <a:lumMod val="95000"/>
+                  </a:schemeClr>
+                </a:solidFill>
+              </a:rPr>
+              <a:t>4.12) </a:t>
+            </a:r>
+            <a:r>
               <a:rPr lang="bg-BG" sz="2000" dirty="0" smtClean="0">
                 <a:solidFill>
                   <a:schemeClr val="bg1">
@@ -11783,7 +11951,17 @@
                   </a:schemeClr>
                 </a:solidFill>
               </a:rPr>
-              <a:t>Напишете програма, която попълва квадратна матрица спираловидно по посока на часовниковата страна. Потребителя въвежда размерност на матрицата.</a:t>
+              <a:t>Напишете </a:t>
+            </a:r>
+            <a:r>
+              <a:rPr lang="bg-BG" sz="2000" dirty="0" smtClean="0">
+                <a:solidFill>
+                  <a:schemeClr val="bg1">
+                    <a:lumMod val="95000"/>
+                  </a:schemeClr>
+                </a:solidFill>
+              </a:rPr>
+              <a:t>програма, която попълва квадратна матрица спираловидно по посока на часовниковата страна. Потребителя въвежда размерност на матрицата.</a:t>
             </a:r>
           </a:p>
           <a:p>
